--- a/lectures/lecture-review-week-6.pptx
+++ b/lectures/lecture-review-week-6.pptx
@@ -267,7 +267,7 @@
           <a:p>
             <a:fld id="{2EB47A83-2598-B342-BA52-F01C23A2EBB5}" type="datetimeFigureOut">
               <a:rPr lang="en-US" smtClean="0"/>
-              <a:t>2/24/18</a:t>
+              <a:t>2/26/18</a:t>
             </a:fld>
             <a:endParaRPr lang="en-US"/>
           </a:p>
@@ -465,7 +465,7 @@
           <a:p>
             <a:fld id="{2EB47A83-2598-B342-BA52-F01C23A2EBB5}" type="datetimeFigureOut">
               <a:rPr lang="en-US" smtClean="0"/>
-              <a:t>2/24/18</a:t>
+              <a:t>2/26/18</a:t>
             </a:fld>
             <a:endParaRPr lang="en-US"/>
           </a:p>
@@ -673,7 +673,7 @@
           <a:p>
             <a:fld id="{2EB47A83-2598-B342-BA52-F01C23A2EBB5}" type="datetimeFigureOut">
               <a:rPr lang="en-US" smtClean="0"/>
-              <a:t>2/24/18</a:t>
+              <a:t>2/26/18</a:t>
             </a:fld>
             <a:endParaRPr lang="en-US"/>
           </a:p>
@@ -871,7 +871,7 @@
           <a:p>
             <a:fld id="{2EB47A83-2598-B342-BA52-F01C23A2EBB5}" type="datetimeFigureOut">
               <a:rPr lang="en-US" smtClean="0"/>
-              <a:t>2/24/18</a:t>
+              <a:t>2/26/18</a:t>
             </a:fld>
             <a:endParaRPr lang="en-US"/>
           </a:p>
@@ -1146,7 +1146,7 @@
           <a:p>
             <a:fld id="{2EB47A83-2598-B342-BA52-F01C23A2EBB5}" type="datetimeFigureOut">
               <a:rPr lang="en-US" smtClean="0"/>
-              <a:t>2/24/18</a:t>
+              <a:t>2/26/18</a:t>
             </a:fld>
             <a:endParaRPr lang="en-US"/>
           </a:p>
@@ -1411,7 +1411,7 @@
           <a:p>
             <a:fld id="{2EB47A83-2598-B342-BA52-F01C23A2EBB5}" type="datetimeFigureOut">
               <a:rPr lang="en-US" smtClean="0"/>
-              <a:t>2/24/18</a:t>
+              <a:t>2/26/18</a:t>
             </a:fld>
             <a:endParaRPr lang="en-US"/>
           </a:p>
@@ -1823,7 +1823,7 @@
           <a:p>
             <a:fld id="{2EB47A83-2598-B342-BA52-F01C23A2EBB5}" type="datetimeFigureOut">
               <a:rPr lang="en-US" smtClean="0"/>
-              <a:t>2/24/18</a:t>
+              <a:t>2/26/18</a:t>
             </a:fld>
             <a:endParaRPr lang="en-US"/>
           </a:p>
@@ -1964,7 +1964,7 @@
           <a:p>
             <a:fld id="{2EB47A83-2598-B342-BA52-F01C23A2EBB5}" type="datetimeFigureOut">
               <a:rPr lang="en-US" smtClean="0"/>
-              <a:t>2/24/18</a:t>
+              <a:t>2/26/18</a:t>
             </a:fld>
             <a:endParaRPr lang="en-US"/>
           </a:p>
@@ -2077,7 +2077,7 @@
           <a:p>
             <a:fld id="{2EB47A83-2598-B342-BA52-F01C23A2EBB5}" type="datetimeFigureOut">
               <a:rPr lang="en-US" smtClean="0"/>
-              <a:t>2/24/18</a:t>
+              <a:t>2/26/18</a:t>
             </a:fld>
             <a:endParaRPr lang="en-US"/>
           </a:p>
@@ -2388,7 +2388,7 @@
           <a:p>
             <a:fld id="{2EB47A83-2598-B342-BA52-F01C23A2EBB5}" type="datetimeFigureOut">
               <a:rPr lang="en-US" smtClean="0"/>
-              <a:t>2/24/18</a:t>
+              <a:t>2/26/18</a:t>
             </a:fld>
             <a:endParaRPr lang="en-US"/>
           </a:p>
@@ -2676,7 +2676,7 @@
           <a:p>
             <a:fld id="{2EB47A83-2598-B342-BA52-F01C23A2EBB5}" type="datetimeFigureOut">
               <a:rPr lang="en-US" smtClean="0"/>
-              <a:t>2/24/18</a:t>
+              <a:t>2/26/18</a:t>
             </a:fld>
             <a:endParaRPr lang="en-US"/>
           </a:p>
@@ -2917,7 +2917,7 @@
           <a:p>
             <a:fld id="{2EB47A83-2598-B342-BA52-F01C23A2EBB5}" type="datetimeFigureOut">
               <a:rPr lang="en-US" smtClean="0"/>
-              <a:t>2/24/18</a:t>
+              <a:t>2/26/18</a:t>
             </a:fld>
             <a:endParaRPr lang="en-US"/>
           </a:p>
@@ -4460,7 +4460,21 @@
           <a:p>
             <a:r>
               <a:rPr lang="en-US" dirty="0"/>
-              <a:t>Overview: Practice launching a CloudFormation stack. Build an infrastructure architecture which implements an EC2 </a:t>
+              <a:t>Overview: </a:t>
+            </a:r>
+          </a:p>
+          <a:p>
+            <a:pPr lvl="1"/>
+            <a:r>
+              <a:rPr lang="en-US" dirty="0"/>
+              <a:t>Practice launching a CloudFormation stack. </a:t>
+            </a:r>
+          </a:p>
+          <a:p>
+            <a:pPr lvl="1"/>
+            <a:r>
+              <a:rPr lang="en-US" dirty="0"/>
+              <a:t>Build an infrastructure architecture which implements an EC2 </a:t>
             </a:r>
             <a:r>
               <a:rPr lang="en-US" dirty="0" err="1"/>
@@ -4468,8 +4482,17 @@
             </a:r>
             <a:r>
               <a:rPr lang="en-US" dirty="0"/>
-              <a:t> group.</a:t>
-            </a:r>
+              <a:t> group and </a:t>
+            </a:r>
+            <a:r>
+              <a:rPr lang="en-US" dirty="0" err="1"/>
+              <a:t>ElastiCache</a:t>
+            </a:r>
+            <a:r>
+              <a:rPr lang="en-US"/>
+              <a:t> cluster.</a:t>
+            </a:r>
+            <a:endParaRPr lang="en-US" dirty="0"/>
           </a:p>
           <a:p>
             <a:endParaRPr lang="en-US" dirty="0"/>

--- a/lectures/lecture-review-week-6.pptx
+++ b/lectures/lecture-review-week-6.pptx
@@ -267,7 +267,7 @@
           <a:p>
             <a:fld id="{2EB47A83-2598-B342-BA52-F01C23A2EBB5}" type="datetimeFigureOut">
               <a:rPr lang="en-US" smtClean="0"/>
-              <a:t>2/26/18</a:t>
+              <a:t>3/3/18</a:t>
             </a:fld>
             <a:endParaRPr lang="en-US"/>
           </a:p>
@@ -465,7 +465,7 @@
           <a:p>
             <a:fld id="{2EB47A83-2598-B342-BA52-F01C23A2EBB5}" type="datetimeFigureOut">
               <a:rPr lang="en-US" smtClean="0"/>
-              <a:t>2/26/18</a:t>
+              <a:t>3/3/18</a:t>
             </a:fld>
             <a:endParaRPr lang="en-US"/>
           </a:p>
@@ -673,7 +673,7 @@
           <a:p>
             <a:fld id="{2EB47A83-2598-B342-BA52-F01C23A2EBB5}" type="datetimeFigureOut">
               <a:rPr lang="en-US" smtClean="0"/>
-              <a:t>2/26/18</a:t>
+              <a:t>3/3/18</a:t>
             </a:fld>
             <a:endParaRPr lang="en-US"/>
           </a:p>
@@ -871,7 +871,7 @@
           <a:p>
             <a:fld id="{2EB47A83-2598-B342-BA52-F01C23A2EBB5}" type="datetimeFigureOut">
               <a:rPr lang="en-US" smtClean="0"/>
-              <a:t>2/26/18</a:t>
+              <a:t>3/3/18</a:t>
             </a:fld>
             <a:endParaRPr lang="en-US"/>
           </a:p>
@@ -1146,7 +1146,7 @@
           <a:p>
             <a:fld id="{2EB47A83-2598-B342-BA52-F01C23A2EBB5}" type="datetimeFigureOut">
               <a:rPr lang="en-US" smtClean="0"/>
-              <a:t>2/26/18</a:t>
+              <a:t>3/3/18</a:t>
             </a:fld>
             <a:endParaRPr lang="en-US"/>
           </a:p>
@@ -1411,7 +1411,7 @@
           <a:p>
             <a:fld id="{2EB47A83-2598-B342-BA52-F01C23A2EBB5}" type="datetimeFigureOut">
               <a:rPr lang="en-US" smtClean="0"/>
-              <a:t>2/26/18</a:t>
+              <a:t>3/3/18</a:t>
             </a:fld>
             <a:endParaRPr lang="en-US"/>
           </a:p>
@@ -1823,7 +1823,7 @@
           <a:p>
             <a:fld id="{2EB47A83-2598-B342-BA52-F01C23A2EBB5}" type="datetimeFigureOut">
               <a:rPr lang="en-US" smtClean="0"/>
-              <a:t>2/26/18</a:t>
+              <a:t>3/3/18</a:t>
             </a:fld>
             <a:endParaRPr lang="en-US"/>
           </a:p>
@@ -1964,7 +1964,7 @@
           <a:p>
             <a:fld id="{2EB47A83-2598-B342-BA52-F01C23A2EBB5}" type="datetimeFigureOut">
               <a:rPr lang="en-US" smtClean="0"/>
-              <a:t>2/26/18</a:t>
+              <a:t>3/3/18</a:t>
             </a:fld>
             <a:endParaRPr lang="en-US"/>
           </a:p>
@@ -2077,7 +2077,7 @@
           <a:p>
             <a:fld id="{2EB47A83-2598-B342-BA52-F01C23A2EBB5}" type="datetimeFigureOut">
               <a:rPr lang="en-US" smtClean="0"/>
-              <a:t>2/26/18</a:t>
+              <a:t>3/3/18</a:t>
             </a:fld>
             <a:endParaRPr lang="en-US"/>
           </a:p>
@@ -2388,7 +2388,7 @@
           <a:p>
             <a:fld id="{2EB47A83-2598-B342-BA52-F01C23A2EBB5}" type="datetimeFigureOut">
               <a:rPr lang="en-US" smtClean="0"/>
-              <a:t>2/26/18</a:t>
+              <a:t>3/3/18</a:t>
             </a:fld>
             <a:endParaRPr lang="en-US"/>
           </a:p>
@@ -2676,7 +2676,7 @@
           <a:p>
             <a:fld id="{2EB47A83-2598-B342-BA52-F01C23A2EBB5}" type="datetimeFigureOut">
               <a:rPr lang="en-US" smtClean="0"/>
-              <a:t>2/26/18</a:t>
+              <a:t>3/3/18</a:t>
             </a:fld>
             <a:endParaRPr lang="en-US"/>
           </a:p>
@@ -2917,7 +2917,7 @@
           <a:p>
             <a:fld id="{2EB47A83-2598-B342-BA52-F01C23A2EBB5}" type="datetimeFigureOut">
               <a:rPr lang="en-US" smtClean="0"/>
-              <a:t>2/26/18</a:t>
+              <a:t>3/3/18</a:t>
             </a:fld>
             <a:endParaRPr lang="en-US"/>
           </a:p>
@@ -4078,7 +4078,7 @@
         <p:spPr/>
         <p:txBody>
           <a:bodyPr>
-            <a:normAutofit fontScale="70000" lnSpcReduction="20000"/>
+            <a:normAutofit fontScale="62500" lnSpcReduction="20000"/>
           </a:bodyPr>
           <a:lstStyle/>
           <a:p>
@@ -4162,6 +4162,18 @@
               <a:rPr lang="en-US" dirty="0"/>
               <a:t>Review the launch events</a:t>
             </a:r>
+          </a:p>
+          <a:p>
+            <a:pPr lvl="1"/>
+            <a:r>
+              <a:rPr lang="en-US" dirty="0"/>
+              <a:t>Review </a:t>
+            </a:r>
+            <a:r>
+              <a:rPr lang="en-US"/>
+              <a:t>the stack outputs</a:t>
+            </a:r>
+            <a:endParaRPr lang="en-US" dirty="0"/>
           </a:p>
           <a:p>
             <a:pPr lvl="1"/>
